--- a/spark/courseware/Spark.pptx
+++ b/spark/courseware/Spark.pptx
@@ -1481,7 +1481,7 @@
           <a:graphicData uri="http://schemas.openxmlformats.org/presentationml/2006/ole">
             <mc:AlternateContent xmlns:mc="http://schemas.openxmlformats.org/markup-compatibility/2006">
               <mc:Choice xmlns:v="urn:schemas-microsoft-com:vml" Requires="v">
-                <p:oleObj spid="_x0000_s3305" name="Document" r:id="rId4" imgW="8229600" imgH="558800" progId="Word.Document.12">
+                <p:oleObj spid="_x0000_s3310" name="Document" r:id="rId4" imgW="8229600" imgH="558800" progId="Word.Document.12">
                   <p:embed/>
                 </p:oleObj>
               </mc:Choice>
@@ -1534,7 +1534,7 @@
           <a:graphicData uri="http://schemas.openxmlformats.org/presentationml/2006/ole">
             <mc:AlternateContent xmlns:mc="http://schemas.openxmlformats.org/markup-compatibility/2006">
               <mc:Choice xmlns:v="urn:schemas-microsoft-com:vml" Requires="v">
-                <p:oleObj spid="_x0000_s3306" name="Document" r:id="rId6" imgW="5486400" imgH="927100" progId="Word.Document.12">
+                <p:oleObj spid="_x0000_s3311" name="Document" r:id="rId6" imgW="5486400" imgH="927100" progId="Word.Document.12">
                   <p:embed/>
                 </p:oleObj>
               </mc:Choice>
@@ -5047,19 +5047,11 @@
             </a:r>
             <a:r>
               <a:rPr lang="en-US" sz="2000" dirty="0" err="1" smtClean="0"/>
-              <a:t>Spark</a:t>
-            </a:r>
-            <a:r>
-              <a:rPr lang="en-US" sz="2000" dirty="0" err="1" smtClean="0"/>
-              <a:t>Exercises.scala</a:t>
+              <a:t>SparkExercises.scala</a:t>
             </a:r>
             <a:r>
               <a:rPr lang="en-US" sz="2000" dirty="0" smtClean="0"/>
-              <a:t> </a:t>
-            </a:r>
-            <a:r>
-              <a:rPr lang="en-US" sz="2000" dirty="0" smtClean="0"/>
-              <a:t>file in the exercises directory. Replace the TODOs with working code</a:t>
+              <a:t> file in the exercises directory. Replace the TODOs with working code</a:t>
             </a:r>
           </a:p>
           <a:p>
@@ -5808,7 +5800,6 @@
               <a:rPr lang="en-US" dirty="0" smtClean="0"/>
               <a:t> to Aerospike</a:t>
             </a:r>
-            <a:endParaRPr lang="en-US" dirty="0" smtClean="0"/>
           </a:p>
           <a:p>
             <a:pPr marL="681037" lvl="0" indent="-342900"/>
@@ -5932,11 +5923,7 @@
             </a:pPr>
             <a:r>
               <a:rPr lang="en-US" sz="4400" dirty="0" smtClean="0"/>
-              <a:t>“</a:t>
-            </a:r>
-            <a:r>
-              <a:rPr lang="en-US" sz="4400" dirty="0" smtClean="0"/>
-              <a:t>A </a:t>
+              <a:t>“A </a:t>
             </a:r>
             <a:r>
               <a:rPr lang="en-US" sz="4400" b="1" dirty="0" smtClean="0">
@@ -6063,11 +6050,6 @@
               </a:rPr>
               <a:t>Aerospike</a:t>
             </a:r>
-            <a:endParaRPr lang="en-US" b="1" dirty="0" smtClean="0">
-              <a:solidFill>
-                <a:srgbClr val="0000FF"/>
-              </a:solidFill>
-            </a:endParaRPr>
           </a:p>
           <a:p>
             <a:pPr marL="0" indent="0">
@@ -6688,7 +6670,19 @@
               <a:rPr lang="en-US" dirty="0" smtClean="0">
                 <a:hlinkClick r:id="rId3"/>
               </a:rPr>
-              <a:t>https://github.com/aerospike/aerospike-spark</a:t>
+              <a:t>https://</a:t>
+            </a:r>
+            <a:r>
+              <a:rPr lang="en-US" dirty="0" smtClean="0">
+                <a:hlinkClick r:id="rId3"/>
+              </a:rPr>
+              <a:t>github.com/aerospike/</a:t>
+            </a:r>
+            <a:r>
+              <a:rPr lang="en-US" smtClean="0">
+                <a:hlinkClick r:id="rId3"/>
+              </a:rPr>
+              <a:t>aerospark</a:t>
             </a:r>
             <a:endParaRPr lang="en-US" dirty="0" smtClean="0"/>
           </a:p>
@@ -8947,11 +8941,7 @@
           <a:p>
             <a:r>
               <a:rPr lang="en-US" dirty="0" smtClean="0"/>
-              <a:t>Exercises: </a:t>
-            </a:r>
-            <a:r>
-              <a:rPr lang="en-US" dirty="0" smtClean="0"/>
-              <a:t>Spark</a:t>
+              <a:t>Exercises: Spark</a:t>
             </a:r>
             <a:endParaRPr lang="en-US" dirty="0"/>
           </a:p>
@@ -9034,13 +9024,8 @@
           <a:p>
             <a:r>
               <a:rPr lang="en-US" dirty="0" smtClean="0"/>
-              <a:t>Directory </a:t>
-            </a:r>
-            <a:r>
-              <a:rPr lang="en-US" dirty="0" smtClean="0"/>
-              <a:t>layout</a:t>
-            </a:r>
-            <a:endParaRPr lang="en-US" dirty="0" smtClean="0"/>
+              <a:t>Directory layout</a:t>
+            </a:r>
           </a:p>
           <a:p>
             <a:pPr lvl="1"/>
@@ -9083,7 +9068,6 @@
               <a:rPr lang="en-US" dirty="0" smtClean="0"/>
               <a:t> eclipse</a:t>
             </a:r>
-            <a:endParaRPr lang="en-US" dirty="0" smtClean="0"/>
           </a:p>
         </p:txBody>
       </p:sp>
